--- a/oreilly-sa-2018/img/focus-scale-perspectives.pptx
+++ b/oreilly-sa-2018/img/focus-scale-perspectives.pptx
@@ -259,7 +259,7 @@
           <a:p>
             <a:fld id="{8E50D448-02B4-BD4F-9E23-E98962F1485C}" type="datetimeFigureOut">
               <a:rPr lang="en-US" smtClean="0"/>
-              <a:t>10/15/18</a:t>
+              <a:t>10/27/18</a:t>
             </a:fld>
             <a:endParaRPr lang="en-US"/>
           </a:p>
@@ -457,7 +457,7 @@
           <a:p>
             <a:fld id="{8E50D448-02B4-BD4F-9E23-E98962F1485C}" type="datetimeFigureOut">
               <a:rPr lang="en-US" smtClean="0"/>
-              <a:t>10/15/18</a:t>
+              <a:t>10/27/18</a:t>
             </a:fld>
             <a:endParaRPr lang="en-US"/>
           </a:p>
@@ -665,7 +665,7 @@
           <a:p>
             <a:fld id="{8E50D448-02B4-BD4F-9E23-E98962F1485C}" type="datetimeFigureOut">
               <a:rPr lang="en-US" smtClean="0"/>
-              <a:t>10/15/18</a:t>
+              <a:t>10/27/18</a:t>
             </a:fld>
             <a:endParaRPr lang="en-US"/>
           </a:p>
@@ -863,7 +863,7 @@
           <a:p>
             <a:fld id="{8E50D448-02B4-BD4F-9E23-E98962F1485C}" type="datetimeFigureOut">
               <a:rPr lang="en-US" smtClean="0"/>
-              <a:t>10/15/18</a:t>
+              <a:t>10/27/18</a:t>
             </a:fld>
             <a:endParaRPr lang="en-US"/>
           </a:p>
@@ -1138,7 +1138,7 @@
           <a:p>
             <a:fld id="{8E50D448-02B4-BD4F-9E23-E98962F1485C}" type="datetimeFigureOut">
               <a:rPr lang="en-US" smtClean="0"/>
-              <a:t>10/15/18</a:t>
+              <a:t>10/27/18</a:t>
             </a:fld>
             <a:endParaRPr lang="en-US"/>
           </a:p>
@@ -1403,7 +1403,7 @@
           <a:p>
             <a:fld id="{8E50D448-02B4-BD4F-9E23-E98962F1485C}" type="datetimeFigureOut">
               <a:rPr lang="en-US" smtClean="0"/>
-              <a:t>10/15/18</a:t>
+              <a:t>10/27/18</a:t>
             </a:fld>
             <a:endParaRPr lang="en-US"/>
           </a:p>
@@ -1815,7 +1815,7 @@
           <a:p>
             <a:fld id="{8E50D448-02B4-BD4F-9E23-E98962F1485C}" type="datetimeFigureOut">
               <a:rPr lang="en-US" smtClean="0"/>
-              <a:t>10/15/18</a:t>
+              <a:t>10/27/18</a:t>
             </a:fld>
             <a:endParaRPr lang="en-US"/>
           </a:p>
@@ -1956,7 +1956,7 @@
           <a:p>
             <a:fld id="{8E50D448-02B4-BD4F-9E23-E98962F1485C}" type="datetimeFigureOut">
               <a:rPr lang="en-US" smtClean="0"/>
-              <a:t>10/15/18</a:t>
+              <a:t>10/27/18</a:t>
             </a:fld>
             <a:endParaRPr lang="en-US"/>
           </a:p>
@@ -2069,7 +2069,7 @@
           <a:p>
             <a:fld id="{8E50D448-02B4-BD4F-9E23-E98962F1485C}" type="datetimeFigureOut">
               <a:rPr lang="en-US" smtClean="0"/>
-              <a:t>10/15/18</a:t>
+              <a:t>10/27/18</a:t>
             </a:fld>
             <a:endParaRPr lang="en-US"/>
           </a:p>
@@ -2380,7 +2380,7 @@
           <a:p>
             <a:fld id="{8E50D448-02B4-BD4F-9E23-E98962F1485C}" type="datetimeFigureOut">
               <a:rPr lang="en-US" smtClean="0"/>
-              <a:t>10/15/18</a:t>
+              <a:t>10/27/18</a:t>
             </a:fld>
             <a:endParaRPr lang="en-US"/>
           </a:p>
@@ -2668,7 +2668,7 @@
           <a:p>
             <a:fld id="{8E50D448-02B4-BD4F-9E23-E98962F1485C}" type="datetimeFigureOut">
               <a:rPr lang="en-US" smtClean="0"/>
-              <a:t>10/15/18</a:t>
+              <a:t>10/27/18</a:t>
             </a:fld>
             <a:endParaRPr lang="en-US"/>
           </a:p>
@@ -2909,7 +2909,7 @@
           <a:p>
             <a:fld id="{8E50D448-02B4-BD4F-9E23-E98962F1485C}" type="datetimeFigureOut">
               <a:rPr lang="en-US" smtClean="0"/>
-              <a:t>10/15/18</a:t>
+              <a:t>10/27/18</a:t>
             </a:fld>
             <a:endParaRPr lang="en-US"/>
           </a:p>
@@ -3530,8 +3530,8 @@
         </p:nvSpPr>
         <p:spPr>
           <a:xfrm>
-            <a:off x="3523394" y="1690688"/>
-            <a:ext cx="2260042" cy="369332"/>
+            <a:off x="3107540" y="1659910"/>
+            <a:ext cx="2556277" cy="400110"/>
           </a:xfrm>
           <a:prstGeom prst="rect">
             <a:avLst/>
@@ -3545,7 +3545,7 @@
           <a:lstStyle/>
           <a:p>
             <a:r>
-              <a:rPr lang="en-US" dirty="0"/>
+              <a:rPr lang="en-US" sz="2000" b="1" dirty="0"/>
               <a:t>Digital Transformation</a:t>
             </a:r>
           </a:p>
@@ -3565,8 +3565,8 @@
         </p:nvSpPr>
         <p:spPr>
           <a:xfrm>
-            <a:off x="7276070" y="1690688"/>
-            <a:ext cx="1316642" cy="369332"/>
+            <a:off x="6823077" y="1659868"/>
+            <a:ext cx="1481559" cy="400110"/>
           </a:xfrm>
           <a:prstGeom prst="rect">
             <a:avLst/>
@@ -3580,7 +3580,7 @@
           <a:lstStyle/>
           <a:p>
             <a:r>
-              <a:rPr lang="en-US" dirty="0"/>
+              <a:rPr lang="en-US" sz="2000" b="1" dirty="0"/>
               <a:t>API Strategy</a:t>
             </a:r>
           </a:p>
@@ -3600,8 +3600,8 @@
         </p:nvSpPr>
         <p:spPr>
           <a:xfrm rot="16200000">
-            <a:off x="1533387" y="2877656"/>
-            <a:ext cx="942887" cy="646331"/>
+            <a:off x="1378471" y="2846877"/>
+            <a:ext cx="1051891" cy="707886"/>
           </a:xfrm>
           <a:prstGeom prst="rect">
             <a:avLst/>
@@ -3616,14 +3616,14 @@
           <a:p>
             <a:pPr algn="ctr"/>
             <a:r>
-              <a:rPr lang="en-US" dirty="0"/>
+              <a:rPr lang="en-US" sz="2000" b="1" dirty="0"/>
               <a:t>Building</a:t>
             </a:r>
             <a:br>
-              <a:rPr lang="en-US" dirty="0"/>
+              <a:rPr lang="en-US" sz="2000" b="1" dirty="0"/>
             </a:br>
             <a:r>
-              <a:rPr lang="en-US" dirty="0"/>
+              <a:rPr lang="en-US" sz="2000" b="1" dirty="0"/>
               <a:t>Systems</a:t>
             </a:r>
           </a:p>
@@ -3643,8 +3643,8 @@
         </p:nvSpPr>
         <p:spPr>
           <a:xfrm rot="16200000">
-            <a:off x="1379690" y="4606218"/>
-            <a:ext cx="1250279" cy="646331"/>
+            <a:off x="1209704" y="4589041"/>
+            <a:ext cx="1394998" cy="707886"/>
           </a:xfrm>
           <a:prstGeom prst="rect">
             <a:avLst/>
@@ -3659,14 +3659,14 @@
           <a:p>
             <a:pPr algn="ctr"/>
             <a:r>
-              <a:rPr lang="en-US" dirty="0"/>
+              <a:rPr lang="en-US" sz="2000" b="1" dirty="0"/>
               <a:t>Managing</a:t>
             </a:r>
             <a:br>
-              <a:rPr lang="en-US" dirty="0"/>
+              <a:rPr lang="en-US" sz="2000" b="1" dirty="0"/>
             </a:br>
             <a:r>
-              <a:rPr lang="en-US" dirty="0"/>
+              <a:rPr lang="en-US" sz="2000" b="1" dirty="0"/>
               <a:t>Ecosystems</a:t>
             </a:r>
           </a:p>
